--- a/Project-Management/π Project Webontwikkeling - Stad Antwerpen.pptx
+++ b/Project-Management/π Project Webontwikkeling - Stad Antwerpen.pptx
@@ -15045,7 +15045,6 @@
               <a:rPr lang="nl-BE" sz="2400" dirty="0"/>
               <a:t>Van Hemelrijk </a:t>
             </a:r>
-            <a:endParaRPr lang="nl-BE" sz="2400" dirty="0"/>
           </a:p>
           <a:p>
             <a:endParaRPr lang="nl-BE" dirty="0" smtClean="0"/>
@@ -15208,6 +15207,47 @@
           </a:p>
         </p:txBody>
       </p:sp>
+      <p:pic>
+        <p:nvPicPr>
+          <p:cNvPr id="1026" name="Picture 2" descr="https://i.gyazo.com/1ac551aa80c5318bbefe9d98585ed471.jpg"/>
+          <p:cNvPicPr>
+            <a:picLocks noChangeAspect="1" noChangeArrowheads="1"/>
+          </p:cNvPicPr>
+          <p:nvPr/>
+        </p:nvPicPr>
+        <p:blipFill>
+          <a:blip r:embed="rId2" cstate="print">
+            <a:extLst>
+              <a:ext uri="{28A0092B-C50C-407E-A947-70E740481C1C}">
+                <a14:useLocalDpi xmlns:a14="http://schemas.microsoft.com/office/drawing/2010/main" val="0"/>
+              </a:ext>
+            </a:extLst>
+          </a:blip>
+          <a:srcRect/>
+          <a:stretch>
+            <a:fillRect/>
+          </a:stretch>
+        </p:blipFill>
+        <p:spPr bwMode="auto">
+          <a:xfrm>
+            <a:off x="1662094" y="2117702"/>
+            <a:ext cx="5618181" cy="2826832"/>
+          </a:xfrm>
+          <a:prstGeom prst="rect">
+            <a:avLst/>
+          </a:prstGeom>
+          <a:noFill/>
+          <a:extLst>
+            <a:ext uri="{909E8E84-426E-40DD-AFC4-6F175D3DCCD1}">
+              <a14:hiddenFill xmlns:a14="http://schemas.microsoft.com/office/drawing/2010/main">
+                <a:solidFill>
+                  <a:srgbClr val="FFFFFF"/>
+                </a:solidFill>
+              </a14:hiddenFill>
+            </a:ext>
+          </a:extLst>
+        </p:spPr>
+      </p:pic>
     </p:spTree>
     <p:extLst>
       <p:ext uri="{BB962C8B-B14F-4D97-AF65-F5344CB8AC3E}">

--- a/Project-Management/π Project Webontwikkeling - Stad Antwerpen.pptx
+++ b/Project-Management/π Project Webontwikkeling - Stad Antwerpen.pptx
@@ -9,9 +9,15 @@
     <p:sldId id="257" r:id="rId3"/>
     <p:sldId id="258" r:id="rId4"/>
     <p:sldId id="259" r:id="rId5"/>
-    <p:sldId id="260" r:id="rId6"/>
-    <p:sldId id="261" r:id="rId7"/>
-    <p:sldId id="262" r:id="rId8"/>
+    <p:sldId id="263" r:id="rId6"/>
+    <p:sldId id="265" r:id="rId7"/>
+    <p:sldId id="264" r:id="rId8"/>
+    <p:sldId id="266" r:id="rId9"/>
+    <p:sldId id="267" r:id="rId10"/>
+    <p:sldId id="260" r:id="rId11"/>
+    <p:sldId id="261" r:id="rId12"/>
+    <p:sldId id="268" r:id="rId13"/>
+    <p:sldId id="262" r:id="rId14"/>
   </p:sldIdLst>
   <p:sldSz cx="9144000" cy="6858000" type="screen4x3"/>
   <p:notesSz cx="6858000" cy="9144000"/>
@@ -14921,6 +14927,446 @@
 </p:sld>
 </file>
 
+<file path=ppt/slides/slide10.xml><?xml version="1.0" encoding="utf-8"?>
+<p:sld xmlns:a="http://schemas.openxmlformats.org/drawingml/2006/main" xmlns:r="http://schemas.openxmlformats.org/officeDocument/2006/relationships" xmlns:p="http://schemas.openxmlformats.org/presentationml/2006/main">
+  <p:cSld>
+    <p:spTree>
+      <p:nvGrpSpPr>
+        <p:cNvPr id="1" name=""/>
+        <p:cNvGrpSpPr/>
+        <p:nvPr/>
+      </p:nvGrpSpPr>
+      <p:grpSpPr>
+        <a:xfrm>
+          <a:off x="0" y="0"/>
+          <a:ext cx="0" cy="0"/>
+          <a:chOff x="0" y="0"/>
+          <a:chExt cx="0" cy="0"/>
+        </a:xfrm>
+      </p:grpSpPr>
+      <p:sp>
+        <p:nvSpPr>
+          <p:cNvPr id="2" name="Titel 1"/>
+          <p:cNvSpPr>
+            <a:spLocks noGrp="1"/>
+          </p:cNvSpPr>
+          <p:nvPr>
+            <p:ph type="title"/>
+          </p:nvPr>
+        </p:nvSpPr>
+        <p:spPr/>
+        <p:txBody>
+          <a:bodyPr/>
+          <a:lstStyle/>
+          <a:p>
+            <a:r>
+              <a:rPr lang="nl-BE" dirty="0" smtClean="0"/>
+              <a:t>Demo game/app</a:t>
+            </a:r>
+            <a:endParaRPr lang="nl-BE" dirty="0"/>
+          </a:p>
+        </p:txBody>
+      </p:sp>
+      <p:sp>
+        <p:nvSpPr>
+          <p:cNvPr id="3" name="Tijdelijke aanduiding voor inhoud 2"/>
+          <p:cNvSpPr>
+            <a:spLocks noGrp="1"/>
+          </p:cNvSpPr>
+          <p:nvPr>
+            <p:ph idx="1"/>
+          </p:nvPr>
+        </p:nvSpPr>
+        <p:spPr/>
+        <p:txBody>
+          <a:bodyPr/>
+          <a:lstStyle/>
+          <a:p>
+            <a:r>
+              <a:rPr lang="nl-BE" dirty="0" smtClean="0"/>
+              <a:t>Screenschots hier plaatsen </a:t>
+            </a:r>
+            <a:r>
+              <a:rPr lang="nl-BE" dirty="0" err="1" smtClean="0"/>
+              <a:t>just</a:t>
+            </a:r>
+            <a:r>
+              <a:rPr lang="nl-BE" dirty="0" smtClean="0"/>
+              <a:t> in case</a:t>
+            </a:r>
+            <a:endParaRPr lang="nl-BE" dirty="0"/>
+          </a:p>
+        </p:txBody>
+      </p:sp>
+    </p:spTree>
+    <p:extLst>
+      <p:ext uri="{BB962C8B-B14F-4D97-AF65-F5344CB8AC3E}">
+        <p14:creationId xmlns:p14="http://schemas.microsoft.com/office/powerpoint/2010/main" val="2303542201"/>
+      </p:ext>
+    </p:extLst>
+  </p:cSld>
+  <p:clrMapOvr>
+    <a:masterClrMapping/>
+  </p:clrMapOvr>
+</p:sld>
+</file>
+
+<file path=ppt/slides/slide11.xml><?xml version="1.0" encoding="utf-8"?>
+<p:sld xmlns:a="http://schemas.openxmlformats.org/drawingml/2006/main" xmlns:r="http://schemas.openxmlformats.org/officeDocument/2006/relationships" xmlns:p="http://schemas.openxmlformats.org/presentationml/2006/main">
+  <p:cSld>
+    <p:spTree>
+      <p:nvGrpSpPr>
+        <p:cNvPr id="1" name=""/>
+        <p:cNvGrpSpPr/>
+        <p:nvPr/>
+      </p:nvGrpSpPr>
+      <p:grpSpPr>
+        <a:xfrm>
+          <a:off x="0" y="0"/>
+          <a:ext cx="0" cy="0"/>
+          <a:chOff x="0" y="0"/>
+          <a:chExt cx="0" cy="0"/>
+        </a:xfrm>
+      </p:grpSpPr>
+      <p:sp>
+        <p:nvSpPr>
+          <p:cNvPr id="2" name="Titel 1"/>
+          <p:cNvSpPr>
+            <a:spLocks noGrp="1"/>
+          </p:cNvSpPr>
+          <p:nvPr>
+            <p:ph type="title"/>
+          </p:nvPr>
+        </p:nvSpPr>
+        <p:spPr/>
+        <p:txBody>
+          <a:bodyPr>
+            <a:normAutofit/>
+          </a:bodyPr>
+          <a:lstStyle/>
+          <a:p>
+            <a:r>
+              <a:rPr lang="nl-BE" dirty="0" err="1" smtClean="0"/>
+              <a:t>Lessons</a:t>
+            </a:r>
+            <a:r>
+              <a:rPr lang="nl-BE" dirty="0" smtClean="0"/>
+              <a:t> </a:t>
+            </a:r>
+            <a:r>
+              <a:rPr lang="nl-BE" dirty="0" err="1" smtClean="0"/>
+              <a:t>learned</a:t>
+            </a:r>
+            <a:r>
+              <a:rPr lang="nl-BE" dirty="0" smtClean="0"/>
+              <a:t>: Web</a:t>
+            </a:r>
+            <a:endParaRPr lang="nl-BE" dirty="0"/>
+          </a:p>
+        </p:txBody>
+      </p:sp>
+      <p:sp>
+        <p:nvSpPr>
+          <p:cNvPr id="3" name="Tijdelijke aanduiding voor inhoud 2"/>
+          <p:cNvSpPr>
+            <a:spLocks noGrp="1"/>
+          </p:cNvSpPr>
+          <p:nvPr>
+            <p:ph idx="1"/>
+          </p:nvPr>
+        </p:nvSpPr>
+        <p:spPr/>
+        <p:txBody>
+          <a:bodyPr>
+            <a:normAutofit lnSpcReduction="10000"/>
+          </a:bodyPr>
+          <a:lstStyle/>
+          <a:p>
+            <a:r>
+              <a:rPr lang="nl-BE" dirty="0" smtClean="0"/>
+              <a:t>Werken met </a:t>
+            </a:r>
+            <a:r>
+              <a:rPr lang="nl-BE" dirty="0" err="1" smtClean="0"/>
+              <a:t>Laravel</a:t>
+            </a:r>
+            <a:r>
+              <a:rPr lang="nl-BE" dirty="0" smtClean="0"/>
+              <a:t>, Composer, Git, Bootstrap</a:t>
+            </a:r>
+          </a:p>
+          <a:p>
+            <a:r>
+              <a:rPr lang="nl-BE" dirty="0" smtClean="0"/>
+              <a:t>Opletten met verschillende OS.</a:t>
+            </a:r>
+          </a:p>
+          <a:p>
+            <a:pPr lvl="1"/>
+            <a:r>
+              <a:rPr lang="nl-BE" dirty="0" err="1" smtClean="0"/>
+              <a:t>Developping</a:t>
+            </a:r>
+            <a:r>
+              <a:rPr lang="nl-BE" dirty="0" smtClean="0"/>
+              <a:t> machine: Windows</a:t>
+            </a:r>
+          </a:p>
+          <a:p>
+            <a:pPr lvl="1"/>
+            <a:r>
+              <a:rPr lang="nl-BE" dirty="0" smtClean="0"/>
+              <a:t>Server: Linux</a:t>
+            </a:r>
+          </a:p>
+          <a:p>
+            <a:pPr marL="457200" lvl="1" indent="0">
+              <a:buNone/>
+            </a:pPr>
+            <a:endParaRPr lang="nl-BE" dirty="0"/>
+          </a:p>
+          <a:p>
+            <a:r>
+              <a:rPr lang="nl-BE" dirty="0" smtClean="0"/>
+              <a:t>Toekomst</a:t>
+            </a:r>
+          </a:p>
+          <a:p>
+            <a:pPr lvl="1"/>
+            <a:r>
+              <a:rPr lang="nl-BE" dirty="0" smtClean="0"/>
+              <a:t>Relaties leggen tussen tabellen in </a:t>
+            </a:r>
+            <a:r>
+              <a:rPr lang="nl-BE" dirty="0" err="1" smtClean="0"/>
+              <a:t>models</a:t>
+            </a:r>
+            <a:endParaRPr lang="nl-BE" dirty="0"/>
+          </a:p>
+          <a:p>
+            <a:pPr lvl="1"/>
+            <a:r>
+              <a:rPr lang="nl-BE" dirty="0" err="1" smtClean="0"/>
+              <a:t>Laravel</a:t>
+            </a:r>
+            <a:r>
+              <a:rPr lang="nl-BE" dirty="0" smtClean="0"/>
+              <a:t> </a:t>
+            </a:r>
+            <a:r>
+              <a:rPr lang="nl-BE" dirty="0" err="1" smtClean="0"/>
+              <a:t>migrations</a:t>
+            </a:r>
+            <a:endParaRPr lang="nl-BE" dirty="0" smtClean="0"/>
+          </a:p>
+          <a:p>
+            <a:endParaRPr lang="nl-BE" dirty="0"/>
+          </a:p>
+        </p:txBody>
+      </p:sp>
+    </p:spTree>
+    <p:extLst>
+      <p:ext uri="{BB962C8B-B14F-4D97-AF65-F5344CB8AC3E}">
+        <p14:creationId xmlns:p14="http://schemas.microsoft.com/office/powerpoint/2010/main" val="280421443"/>
+      </p:ext>
+    </p:extLst>
+  </p:cSld>
+  <p:clrMapOvr>
+    <a:masterClrMapping/>
+  </p:clrMapOvr>
+</p:sld>
+</file>
+
+<file path=ppt/slides/slide12.xml><?xml version="1.0" encoding="utf-8"?>
+<p:sld xmlns:a="http://schemas.openxmlformats.org/drawingml/2006/main" xmlns:r="http://schemas.openxmlformats.org/officeDocument/2006/relationships" xmlns:p="http://schemas.openxmlformats.org/presentationml/2006/main">
+  <p:cSld>
+    <p:spTree>
+      <p:nvGrpSpPr>
+        <p:cNvPr id="1" name=""/>
+        <p:cNvGrpSpPr/>
+        <p:nvPr/>
+      </p:nvGrpSpPr>
+      <p:grpSpPr>
+        <a:xfrm>
+          <a:off x="0" y="0"/>
+          <a:ext cx="0" cy="0"/>
+          <a:chOff x="0" y="0"/>
+          <a:chExt cx="0" cy="0"/>
+        </a:xfrm>
+      </p:grpSpPr>
+      <p:sp>
+        <p:nvSpPr>
+          <p:cNvPr id="2" name="Titel 1"/>
+          <p:cNvSpPr>
+            <a:spLocks noGrp="1"/>
+          </p:cNvSpPr>
+          <p:nvPr>
+            <p:ph type="title"/>
+          </p:nvPr>
+        </p:nvSpPr>
+        <p:spPr/>
+        <p:txBody>
+          <a:bodyPr/>
+          <a:lstStyle/>
+          <a:p>
+            <a:r>
+              <a:rPr lang="nl-BE" dirty="0" err="1"/>
+              <a:t>Lessons</a:t>
+            </a:r>
+            <a:r>
+              <a:rPr lang="nl-BE" dirty="0"/>
+              <a:t> </a:t>
+            </a:r>
+            <a:r>
+              <a:rPr lang="nl-BE" dirty="0" err="1"/>
+              <a:t>learned</a:t>
+            </a:r>
+            <a:r>
+              <a:rPr lang="nl-BE" dirty="0"/>
+              <a:t>: </a:t>
+            </a:r>
+            <a:r>
+              <a:rPr lang="nl-BE" dirty="0" smtClean="0"/>
+              <a:t>VP</a:t>
+            </a:r>
+            <a:endParaRPr lang="en-US" dirty="0"/>
+          </a:p>
+        </p:txBody>
+      </p:sp>
+      <p:sp>
+        <p:nvSpPr>
+          <p:cNvPr id="3" name="Tijdelijke aanduiding voor inhoud 2"/>
+          <p:cNvSpPr>
+            <a:spLocks noGrp="1"/>
+          </p:cNvSpPr>
+          <p:nvPr>
+            <p:ph idx="1"/>
+          </p:nvPr>
+        </p:nvSpPr>
+        <p:spPr/>
+        <p:txBody>
+          <a:bodyPr/>
+          <a:lstStyle/>
+          <a:p>
+            <a:r>
+              <a:rPr lang="nl-BE" dirty="0" smtClean="0"/>
+              <a:t>Vroeger database implementeren</a:t>
+            </a:r>
+            <a:endParaRPr lang="en-US" dirty="0"/>
+          </a:p>
+        </p:txBody>
+      </p:sp>
+    </p:spTree>
+    <p:extLst>
+      <p:ext uri="{BB962C8B-B14F-4D97-AF65-F5344CB8AC3E}">
+        <p14:creationId xmlns:p14="http://schemas.microsoft.com/office/powerpoint/2010/main" val="948179941"/>
+      </p:ext>
+    </p:extLst>
+  </p:cSld>
+  <p:clrMapOvr>
+    <a:masterClrMapping/>
+  </p:clrMapOvr>
+</p:sld>
+</file>
+
+<file path=ppt/slides/slide13.xml><?xml version="1.0" encoding="utf-8"?>
+<p:sld xmlns:a="http://schemas.openxmlformats.org/drawingml/2006/main" xmlns:r="http://schemas.openxmlformats.org/officeDocument/2006/relationships" xmlns:p="http://schemas.openxmlformats.org/presentationml/2006/main">
+  <p:cSld>
+    <p:spTree>
+      <p:nvGrpSpPr>
+        <p:cNvPr id="1" name=""/>
+        <p:cNvGrpSpPr/>
+        <p:nvPr/>
+      </p:nvGrpSpPr>
+      <p:grpSpPr>
+        <a:xfrm>
+          <a:off x="0" y="0"/>
+          <a:ext cx="0" cy="0"/>
+          <a:chOff x="0" y="0"/>
+          <a:chExt cx="0" cy="0"/>
+        </a:xfrm>
+      </p:grpSpPr>
+      <p:sp>
+        <p:nvSpPr>
+          <p:cNvPr id="2" name="Titel 1"/>
+          <p:cNvSpPr>
+            <a:spLocks noGrp="1"/>
+          </p:cNvSpPr>
+          <p:nvPr>
+            <p:ph type="title"/>
+          </p:nvPr>
+        </p:nvSpPr>
+        <p:spPr>
+          <a:xfrm>
+            <a:off x="847898" y="4162605"/>
+            <a:ext cx="8229600" cy="1143000"/>
+          </a:xfrm>
+        </p:spPr>
+        <p:txBody>
+          <a:bodyPr>
+            <a:normAutofit/>
+          </a:bodyPr>
+          <a:lstStyle/>
+          <a:p>
+            <a:r>
+              <a:rPr lang="nl-BE" dirty="0" smtClean="0"/>
+              <a:t>“</a:t>
+            </a:r>
+            <a:r>
+              <a:rPr lang="nl-BE" dirty="0" err="1" smtClean="0"/>
+              <a:t>Inspirational</a:t>
+            </a:r>
+            <a:r>
+              <a:rPr lang="nl-BE" dirty="0" smtClean="0"/>
+              <a:t> quote”</a:t>
+            </a:r>
+            <a:endParaRPr lang="nl-BE" dirty="0"/>
+          </a:p>
+        </p:txBody>
+      </p:sp>
+      <p:pic>
+        <p:nvPicPr>
+          <p:cNvPr id="3" name="Afbeelding 2"/>
+          <p:cNvPicPr>
+            <a:picLocks noChangeAspect="1"/>
+          </p:cNvPicPr>
+          <p:nvPr/>
+        </p:nvPicPr>
+        <p:blipFill>
+          <a:blip r:embed="rId2">
+            <a:extLst>
+              <a:ext uri="{28A0092B-C50C-407E-A947-70E740481C1C}">
+                <a14:useLocalDpi xmlns:a14="http://schemas.microsoft.com/office/drawing/2010/main" val="0"/>
+              </a:ext>
+            </a:extLst>
+          </a:blip>
+          <a:stretch>
+            <a:fillRect/>
+          </a:stretch>
+        </p:blipFill>
+        <p:spPr>
+          <a:xfrm>
+            <a:off x="2770522" y="848556"/>
+            <a:ext cx="4035218" cy="2852692"/>
+          </a:xfrm>
+          <a:prstGeom prst="rect">
+            <a:avLst/>
+          </a:prstGeom>
+        </p:spPr>
+      </p:pic>
+    </p:spTree>
+    <p:extLst>
+      <p:ext uri="{BB962C8B-B14F-4D97-AF65-F5344CB8AC3E}">
+        <p14:creationId xmlns:p14="http://schemas.microsoft.com/office/powerpoint/2010/main" val="2107308564"/>
+      </p:ext>
+    </p:extLst>
+  </p:cSld>
+  <p:clrMapOvr>
+    <a:masterClrMapping/>
+  </p:clrMapOvr>
+</p:sld>
+</file>
+
 <file path=ppt/slides/slide2.xml><?xml version="1.0" encoding="utf-8"?>
 <p:sld xmlns:a="http://schemas.openxmlformats.org/drawingml/2006/main" xmlns:r="http://schemas.openxmlformats.org/officeDocument/2006/relationships" xmlns:p="http://schemas.openxmlformats.org/presentationml/2006/main">
   <p:cSld>
@@ -15209,7 +15655,7 @@
       </p:sp>
       <p:pic>
         <p:nvPicPr>
-          <p:cNvPr id="1026" name="Picture 2" descr="https://i.gyazo.com/1ac551aa80c5318bbefe9d98585ed471.jpg"/>
+          <p:cNvPr id="2052" name="Picture 4" descr="https://i.gyazo.com/45cc20330b44f3d70ac20d3d6565279a.png"/>
           <p:cNvPicPr>
             <a:picLocks noChangeAspect="1" noChangeArrowheads="1"/>
           </p:cNvPicPr>
@@ -15230,8 +15676,8 @@
         </p:blipFill>
         <p:spPr bwMode="auto">
           <a:xfrm>
-            <a:off x="1662094" y="2117702"/>
-            <a:ext cx="5618181" cy="2826832"/>
+            <a:off x="3138417" y="2077668"/>
+            <a:ext cx="3367391" cy="3583299"/>
           </a:xfrm>
           <a:prstGeom prst="rect">
             <a:avLst/>
@@ -15293,11 +15739,7 @@
           <a:bodyPr/>
           <a:lstStyle/>
           <a:p>
-            <a:r>
-              <a:rPr lang="nl-BE" dirty="0" smtClean="0"/>
-              <a:t>Demo game/app</a:t>
-            </a:r>
-            <a:endParaRPr lang="nl-BE" dirty="0"/>
+            <a:endParaRPr lang="en-US"/>
           </a:p>
         </p:txBody>
       </p:sp>
@@ -15316,26 +15758,96 @@
           <a:bodyPr/>
           <a:lstStyle/>
           <a:p>
-            <a:r>
-              <a:rPr lang="nl-BE" dirty="0" smtClean="0"/>
-              <a:t>Screenschots hier plaatsen </a:t>
-            </a:r>
-            <a:r>
-              <a:rPr lang="nl-BE" dirty="0" err="1" smtClean="0"/>
-              <a:t>just</a:t>
-            </a:r>
-            <a:r>
-              <a:rPr lang="nl-BE" dirty="0" smtClean="0"/>
-              <a:t> in case</a:t>
-            </a:r>
-            <a:endParaRPr lang="nl-BE" dirty="0"/>
-          </a:p>
-        </p:txBody>
-      </p:sp>
+            <a:endParaRPr lang="en-US" dirty="0"/>
+          </a:p>
+        </p:txBody>
+      </p:sp>
+      <p:pic>
+        <p:nvPicPr>
+          <p:cNvPr id="1028" name="Picture 4" descr="https://i.gyazo.com/ee7eb3da96e2e7d0dc71274f05d81d77.png"/>
+          <p:cNvPicPr>
+            <a:picLocks noChangeAspect="1" noChangeArrowheads="1"/>
+          </p:cNvPicPr>
+          <p:nvPr/>
+        </p:nvPicPr>
+        <p:blipFill>
+          <a:blip r:embed="rId2">
+            <a:extLst>
+              <a:ext uri="{28A0092B-C50C-407E-A947-70E740481C1C}">
+                <a14:useLocalDpi xmlns:a14="http://schemas.microsoft.com/office/drawing/2010/main" val="0"/>
+              </a:ext>
+            </a:extLst>
+          </a:blip>
+          <a:srcRect/>
+          <a:stretch>
+            <a:fillRect/>
+          </a:stretch>
+        </p:blipFill>
+        <p:spPr bwMode="auto">
+          <a:xfrm>
+            <a:off x="842994" y="1097280"/>
+            <a:ext cx="4379099" cy="4389120"/>
+          </a:xfrm>
+          <a:prstGeom prst="rect">
+            <a:avLst/>
+          </a:prstGeom>
+          <a:noFill/>
+          <a:extLst>
+            <a:ext uri="{909E8E84-426E-40DD-AFC4-6F175D3DCCD1}">
+              <a14:hiddenFill xmlns:a14="http://schemas.microsoft.com/office/drawing/2010/main">
+                <a:solidFill>
+                  <a:srgbClr val="FFFFFF"/>
+                </a:solidFill>
+              </a14:hiddenFill>
+            </a:ext>
+          </a:extLst>
+        </p:spPr>
+      </p:pic>
+      <p:pic>
+        <p:nvPicPr>
+          <p:cNvPr id="6" name="Picture 2" descr="https://i.gyazo.com/53dc088508dab9e1f80dd50d34ceb929.png"/>
+          <p:cNvPicPr>
+            <a:picLocks noChangeAspect="1" noChangeArrowheads="1"/>
+          </p:cNvPicPr>
+          <p:nvPr/>
+        </p:nvPicPr>
+        <p:blipFill>
+          <a:blip r:embed="rId3">
+            <a:extLst>
+              <a:ext uri="{28A0092B-C50C-407E-A947-70E740481C1C}">
+                <a14:useLocalDpi xmlns:a14="http://schemas.microsoft.com/office/drawing/2010/main" val="0"/>
+              </a:ext>
+            </a:extLst>
+          </a:blip>
+          <a:srcRect/>
+          <a:stretch>
+            <a:fillRect/>
+          </a:stretch>
+        </p:blipFill>
+        <p:spPr bwMode="auto">
+          <a:xfrm>
+            <a:off x="5186874" y="1036152"/>
+            <a:ext cx="3920939" cy="4076175"/>
+          </a:xfrm>
+          <a:prstGeom prst="rect">
+            <a:avLst/>
+          </a:prstGeom>
+          <a:noFill/>
+          <a:extLst>
+            <a:ext uri="{909E8E84-426E-40DD-AFC4-6F175D3DCCD1}">
+              <a14:hiddenFill xmlns:a14="http://schemas.microsoft.com/office/drawing/2010/main">
+                <a:solidFill>
+                  <a:srgbClr val="FFFFFF"/>
+                </a:solidFill>
+              </a14:hiddenFill>
+            </a:ext>
+          </a:extLst>
+        </p:spPr>
+      </p:pic>
     </p:spTree>
     <p:extLst>
       <p:ext uri="{BB962C8B-B14F-4D97-AF65-F5344CB8AC3E}">
-        <p14:creationId xmlns:p14="http://schemas.microsoft.com/office/powerpoint/2010/main" val="2303542201"/>
+        <p14:creationId xmlns:p14="http://schemas.microsoft.com/office/powerpoint/2010/main" val="2955719311"/>
       </p:ext>
     </p:extLst>
   </p:cSld>
@@ -15374,16 +15886,10 @@
         </p:nvSpPr>
         <p:spPr/>
         <p:txBody>
-          <a:bodyPr>
-            <a:normAutofit fontScale="90000"/>
-          </a:bodyPr>
+          <a:bodyPr/>
           <a:lstStyle/>
           <a:p>
-            <a:r>
-              <a:rPr lang="nl-BE" dirty="0" smtClean="0"/>
-              <a:t>Wat kan beter de volgende keer?</a:t>
-            </a:r>
-            <a:endParaRPr lang="nl-BE" dirty="0"/>
+            <a:endParaRPr lang="en-US"/>
           </a:p>
         </p:txBody>
       </p:sp>
@@ -15402,14 +15908,55 @@
           <a:bodyPr/>
           <a:lstStyle/>
           <a:p>
-            <a:endParaRPr lang="nl-BE" dirty="0"/>
-          </a:p>
-        </p:txBody>
-      </p:sp>
+            <a:endParaRPr lang="en-US"/>
+          </a:p>
+        </p:txBody>
+      </p:sp>
+      <p:pic>
+        <p:nvPicPr>
+          <p:cNvPr id="4100" name="Picture 4" descr="https://i.gyazo.com/39a33a02209970d32d281f89f3516354.png"/>
+          <p:cNvPicPr>
+            <a:picLocks noChangeAspect="1" noChangeArrowheads="1"/>
+          </p:cNvPicPr>
+          <p:nvPr/>
+        </p:nvPicPr>
+        <p:blipFill>
+          <a:blip r:embed="rId2">
+            <a:extLst>
+              <a:ext uri="{28A0092B-C50C-407E-A947-70E740481C1C}">
+                <a14:useLocalDpi xmlns:a14="http://schemas.microsoft.com/office/drawing/2010/main" val="0"/>
+              </a:ext>
+            </a:extLst>
+          </a:blip>
+          <a:srcRect/>
+          <a:stretch>
+            <a:fillRect/>
+          </a:stretch>
+        </p:blipFill>
+        <p:spPr bwMode="auto">
+          <a:xfrm>
+            <a:off x="781081" y="1468414"/>
+            <a:ext cx="8353425" cy="3733800"/>
+          </a:xfrm>
+          <a:prstGeom prst="rect">
+            <a:avLst/>
+          </a:prstGeom>
+          <a:noFill/>
+          <a:extLst>
+            <a:ext uri="{909E8E84-426E-40DD-AFC4-6F175D3DCCD1}">
+              <a14:hiddenFill xmlns:a14="http://schemas.microsoft.com/office/drawing/2010/main">
+                <a:solidFill>
+                  <a:srgbClr val="FFFFFF"/>
+                </a:solidFill>
+              </a14:hiddenFill>
+            </a:ext>
+          </a:extLst>
+        </p:spPr>
+      </p:pic>
     </p:spTree>
     <p:extLst>
       <p:ext uri="{BB962C8B-B14F-4D97-AF65-F5344CB8AC3E}">
-        <p14:creationId xmlns:p14="http://schemas.microsoft.com/office/powerpoint/2010/main" val="280421443"/>
+        <p14:creationId xmlns:p14="http://schemas.microsoft.com/office/powerpoint/2010/main" val="747328372"/>
       </p:ext>
     </p:extLst>
   </p:cSld>
@@ -15446,28 +15993,461 @@
             <p:ph type="title"/>
           </p:nvPr>
         </p:nvSpPr>
-        <p:spPr>
-          <a:xfrm>
-            <a:off x="914400" y="2558248"/>
-            <a:ext cx="8229600" cy="1143000"/>
-          </a:xfrm>
-        </p:spPr>
+        <p:spPr/>
         <p:txBody>
           <a:bodyPr/>
           <a:lstStyle/>
           <a:p>
-            <a:r>
-              <a:rPr lang="nl-BE" dirty="0" smtClean="0"/>
-              <a:t>Kom maar op met de vragen.</a:t>
-            </a:r>
-            <a:endParaRPr lang="nl-BE" dirty="0"/>
-          </a:p>
-        </p:txBody>
-      </p:sp>
+            <a:endParaRPr lang="en-US"/>
+          </a:p>
+        </p:txBody>
+      </p:sp>
+      <p:sp>
+        <p:nvSpPr>
+          <p:cNvPr id="3" name="Tijdelijke aanduiding voor inhoud 2"/>
+          <p:cNvSpPr>
+            <a:spLocks noGrp="1"/>
+          </p:cNvSpPr>
+          <p:nvPr>
+            <p:ph idx="1"/>
+          </p:nvPr>
+        </p:nvSpPr>
+        <p:spPr/>
+        <p:txBody>
+          <a:bodyPr/>
+          <a:lstStyle/>
+          <a:p>
+            <a:endParaRPr lang="en-US" dirty="0"/>
+          </a:p>
+        </p:txBody>
+      </p:sp>
+      <p:pic>
+        <p:nvPicPr>
+          <p:cNvPr id="3076" name="Picture 4" descr="https://i.gyazo.com/e421f235d070db71ad5651d1990963fd.png"/>
+          <p:cNvPicPr>
+            <a:picLocks noChangeAspect="1" noChangeArrowheads="1"/>
+          </p:cNvPicPr>
+          <p:nvPr/>
+        </p:nvPicPr>
+        <p:blipFill>
+          <a:blip r:embed="rId2">
+            <a:extLst>
+              <a:ext uri="{28A0092B-C50C-407E-A947-70E740481C1C}">
+                <a14:useLocalDpi xmlns:a14="http://schemas.microsoft.com/office/drawing/2010/main" val="0"/>
+              </a:ext>
+            </a:extLst>
+          </a:blip>
+          <a:srcRect/>
+          <a:stretch>
+            <a:fillRect/>
+          </a:stretch>
+        </p:blipFill>
+        <p:spPr bwMode="auto">
+          <a:xfrm>
+            <a:off x="1399946" y="142852"/>
+            <a:ext cx="7535081" cy="1936865"/>
+          </a:xfrm>
+          <a:prstGeom prst="rect">
+            <a:avLst/>
+          </a:prstGeom>
+          <a:noFill/>
+          <a:extLst>
+            <a:ext uri="{909E8E84-426E-40DD-AFC4-6F175D3DCCD1}">
+              <a14:hiddenFill xmlns:a14="http://schemas.microsoft.com/office/drawing/2010/main">
+                <a:solidFill>
+                  <a:srgbClr val="FFFFFF"/>
+                </a:solidFill>
+              </a14:hiddenFill>
+            </a:ext>
+          </a:extLst>
+        </p:spPr>
+      </p:pic>
+      <p:pic>
+        <p:nvPicPr>
+          <p:cNvPr id="3078" name="Picture 6" descr="https://i.gyazo.com/8be8042ca97536d75ea76385427bdcee.png"/>
+          <p:cNvPicPr>
+            <a:picLocks noChangeAspect="1" noChangeArrowheads="1"/>
+          </p:cNvPicPr>
+          <p:nvPr/>
+        </p:nvPicPr>
+        <p:blipFill>
+          <a:blip r:embed="rId3">
+            <a:extLst>
+              <a:ext uri="{28A0092B-C50C-407E-A947-70E740481C1C}">
+                <a14:useLocalDpi xmlns:a14="http://schemas.microsoft.com/office/drawing/2010/main" val="0"/>
+              </a:ext>
+            </a:extLst>
+          </a:blip>
+          <a:srcRect/>
+          <a:stretch>
+            <a:fillRect/>
+          </a:stretch>
+        </p:blipFill>
+        <p:spPr bwMode="auto">
+          <a:xfrm>
+            <a:off x="810527" y="2231716"/>
+            <a:ext cx="4356959" cy="3610662"/>
+          </a:xfrm>
+          <a:prstGeom prst="rect">
+            <a:avLst/>
+          </a:prstGeom>
+          <a:noFill/>
+          <a:extLst>
+            <a:ext uri="{909E8E84-426E-40DD-AFC4-6F175D3DCCD1}">
+              <a14:hiddenFill xmlns:a14="http://schemas.microsoft.com/office/drawing/2010/main">
+                <a:solidFill>
+                  <a:srgbClr val="FFFFFF"/>
+                </a:solidFill>
+              </a14:hiddenFill>
+            </a:ext>
+          </a:extLst>
+        </p:spPr>
+      </p:pic>
+      <p:pic>
+        <p:nvPicPr>
+          <p:cNvPr id="3082" name="Picture 10" descr="https://i.gyazo.com/770fa6c249d6f7c113fbb481c0159a8b.png"/>
+          <p:cNvPicPr>
+            <a:picLocks noChangeAspect="1" noChangeArrowheads="1"/>
+          </p:cNvPicPr>
+          <p:nvPr/>
+        </p:nvPicPr>
+        <p:blipFill>
+          <a:blip r:embed="rId4">
+            <a:extLst>
+              <a:ext uri="{28A0092B-C50C-407E-A947-70E740481C1C}">
+                <a14:useLocalDpi xmlns:a14="http://schemas.microsoft.com/office/drawing/2010/main" val="0"/>
+              </a:ext>
+            </a:extLst>
+          </a:blip>
+          <a:srcRect/>
+          <a:stretch>
+            <a:fillRect/>
+          </a:stretch>
+        </p:blipFill>
+        <p:spPr bwMode="auto">
+          <a:xfrm>
+            <a:off x="5049982" y="1939946"/>
+            <a:ext cx="3603567" cy="3886473"/>
+          </a:xfrm>
+          <a:prstGeom prst="rect">
+            <a:avLst/>
+          </a:prstGeom>
+          <a:noFill/>
+          <a:extLst>
+            <a:ext uri="{909E8E84-426E-40DD-AFC4-6F175D3DCCD1}">
+              <a14:hiddenFill xmlns:a14="http://schemas.microsoft.com/office/drawing/2010/main">
+                <a:solidFill>
+                  <a:srgbClr val="FFFFFF"/>
+                </a:solidFill>
+              </a14:hiddenFill>
+            </a:ext>
+          </a:extLst>
+        </p:spPr>
+      </p:pic>
     </p:spTree>
     <p:extLst>
       <p:ext uri="{BB962C8B-B14F-4D97-AF65-F5344CB8AC3E}">
-        <p14:creationId xmlns:p14="http://schemas.microsoft.com/office/powerpoint/2010/main" val="2107308564"/>
+        <p14:creationId xmlns:p14="http://schemas.microsoft.com/office/powerpoint/2010/main" val="188503358"/>
+      </p:ext>
+    </p:extLst>
+  </p:cSld>
+  <p:clrMapOvr>
+    <a:masterClrMapping/>
+  </p:clrMapOvr>
+</p:sld>
+</file>
+
+<file path=ppt/slides/slide8.xml><?xml version="1.0" encoding="utf-8"?>
+<p:sld xmlns:a="http://schemas.openxmlformats.org/drawingml/2006/main" xmlns:r="http://schemas.openxmlformats.org/officeDocument/2006/relationships" xmlns:p="http://schemas.openxmlformats.org/presentationml/2006/main">
+  <p:cSld>
+    <p:spTree>
+      <p:nvGrpSpPr>
+        <p:cNvPr id="1" name=""/>
+        <p:cNvGrpSpPr/>
+        <p:nvPr/>
+      </p:nvGrpSpPr>
+      <p:grpSpPr>
+        <a:xfrm>
+          <a:off x="0" y="0"/>
+          <a:ext cx="0" cy="0"/>
+          <a:chOff x="0" y="0"/>
+          <a:chExt cx="0" cy="0"/>
+        </a:xfrm>
+      </p:grpSpPr>
+      <p:sp>
+        <p:nvSpPr>
+          <p:cNvPr id="2" name="Titel 1"/>
+          <p:cNvSpPr>
+            <a:spLocks noGrp="1"/>
+          </p:cNvSpPr>
+          <p:nvPr>
+            <p:ph type="title"/>
+          </p:nvPr>
+        </p:nvSpPr>
+        <p:spPr/>
+        <p:txBody>
+          <a:bodyPr/>
+          <a:lstStyle/>
+          <a:p>
+            <a:endParaRPr lang="en-US"/>
+          </a:p>
+        </p:txBody>
+      </p:sp>
+      <p:sp>
+        <p:nvSpPr>
+          <p:cNvPr id="3" name="Tijdelijke aanduiding voor inhoud 2"/>
+          <p:cNvSpPr>
+            <a:spLocks noGrp="1"/>
+          </p:cNvSpPr>
+          <p:nvPr>
+            <p:ph idx="1"/>
+          </p:nvPr>
+        </p:nvSpPr>
+        <p:spPr/>
+        <p:txBody>
+          <a:bodyPr/>
+          <a:lstStyle/>
+          <a:p>
+            <a:endParaRPr lang="en-US" dirty="0"/>
+          </a:p>
+        </p:txBody>
+      </p:sp>
+      <p:pic>
+        <p:nvPicPr>
+          <p:cNvPr id="5122" name="Picture 2" descr="https://i.gyazo.com/6a1e835dc4bf1968bcb1c44fbbcdc9d7.png"/>
+          <p:cNvPicPr>
+            <a:picLocks noChangeAspect="1" noChangeArrowheads="1"/>
+          </p:cNvPicPr>
+          <p:nvPr/>
+        </p:nvPicPr>
+        <p:blipFill>
+          <a:blip r:embed="rId2">
+            <a:extLst>
+              <a:ext uri="{28A0092B-C50C-407E-A947-70E740481C1C}">
+                <a14:useLocalDpi xmlns:a14="http://schemas.microsoft.com/office/drawing/2010/main" val="0"/>
+              </a:ext>
+            </a:extLst>
+          </a:blip>
+          <a:srcRect/>
+          <a:stretch>
+            <a:fillRect/>
+          </a:stretch>
+        </p:blipFill>
+        <p:spPr bwMode="auto">
+          <a:xfrm>
+            <a:off x="842994" y="260466"/>
+            <a:ext cx="3845637" cy="5641570"/>
+          </a:xfrm>
+          <a:prstGeom prst="rect">
+            <a:avLst/>
+          </a:prstGeom>
+          <a:noFill/>
+          <a:extLst>
+            <a:ext uri="{909E8E84-426E-40DD-AFC4-6F175D3DCCD1}">
+              <a14:hiddenFill xmlns:a14="http://schemas.microsoft.com/office/drawing/2010/main">
+                <a:solidFill>
+                  <a:srgbClr val="FFFFFF"/>
+                </a:solidFill>
+              </a14:hiddenFill>
+            </a:ext>
+          </a:extLst>
+        </p:spPr>
+      </p:pic>
+      <p:pic>
+        <p:nvPicPr>
+          <p:cNvPr id="5124" name="Picture 4" descr="https://i.gyazo.com/681c7264cca0052055ada9ca3acdb344.png"/>
+          <p:cNvPicPr>
+            <a:picLocks noChangeAspect="1" noChangeArrowheads="1"/>
+          </p:cNvPicPr>
+          <p:nvPr/>
+        </p:nvPicPr>
+        <p:blipFill>
+          <a:blip r:embed="rId3">
+            <a:extLst>
+              <a:ext uri="{28A0092B-C50C-407E-A947-70E740481C1C}">
+                <a14:useLocalDpi xmlns:a14="http://schemas.microsoft.com/office/drawing/2010/main" val="0"/>
+              </a:ext>
+            </a:extLst>
+          </a:blip>
+          <a:srcRect/>
+          <a:stretch>
+            <a:fillRect/>
+          </a:stretch>
+        </p:blipFill>
+        <p:spPr bwMode="auto">
+          <a:xfrm>
+            <a:off x="4754385" y="260466"/>
+            <a:ext cx="4252455" cy="5119104"/>
+          </a:xfrm>
+          <a:prstGeom prst="rect">
+            <a:avLst/>
+          </a:prstGeom>
+          <a:noFill/>
+          <a:extLst>
+            <a:ext uri="{909E8E84-426E-40DD-AFC4-6F175D3DCCD1}">
+              <a14:hiddenFill xmlns:a14="http://schemas.microsoft.com/office/drawing/2010/main">
+                <a:solidFill>
+                  <a:srgbClr val="FFFFFF"/>
+                </a:solidFill>
+              </a14:hiddenFill>
+            </a:ext>
+          </a:extLst>
+        </p:spPr>
+      </p:pic>
+    </p:spTree>
+    <p:extLst>
+      <p:ext uri="{BB962C8B-B14F-4D97-AF65-F5344CB8AC3E}">
+        <p14:creationId xmlns:p14="http://schemas.microsoft.com/office/powerpoint/2010/main" val="1620987647"/>
+      </p:ext>
+    </p:extLst>
+  </p:cSld>
+  <p:clrMapOvr>
+    <a:masterClrMapping/>
+  </p:clrMapOvr>
+</p:sld>
+</file>
+
+<file path=ppt/slides/slide9.xml><?xml version="1.0" encoding="utf-8"?>
+<p:sld xmlns:a="http://schemas.openxmlformats.org/drawingml/2006/main" xmlns:r="http://schemas.openxmlformats.org/officeDocument/2006/relationships" xmlns:p="http://schemas.openxmlformats.org/presentationml/2006/main">
+  <p:cSld>
+    <p:spTree>
+      <p:nvGrpSpPr>
+        <p:cNvPr id="1" name=""/>
+        <p:cNvGrpSpPr/>
+        <p:nvPr/>
+      </p:nvGrpSpPr>
+      <p:grpSpPr>
+        <a:xfrm>
+          <a:off x="0" y="0"/>
+          <a:ext cx="0" cy="0"/>
+          <a:chOff x="0" y="0"/>
+          <a:chExt cx="0" cy="0"/>
+        </a:xfrm>
+      </p:grpSpPr>
+      <p:sp>
+        <p:nvSpPr>
+          <p:cNvPr id="2" name="Titel 1"/>
+          <p:cNvSpPr>
+            <a:spLocks noGrp="1"/>
+          </p:cNvSpPr>
+          <p:nvPr>
+            <p:ph type="title"/>
+          </p:nvPr>
+        </p:nvSpPr>
+        <p:spPr/>
+        <p:txBody>
+          <a:bodyPr/>
+          <a:lstStyle/>
+          <a:p>
+            <a:endParaRPr lang="en-US"/>
+          </a:p>
+        </p:txBody>
+      </p:sp>
+      <p:sp>
+        <p:nvSpPr>
+          <p:cNvPr id="3" name="Tijdelijke aanduiding voor inhoud 2"/>
+          <p:cNvSpPr>
+            <a:spLocks noGrp="1"/>
+          </p:cNvSpPr>
+          <p:nvPr>
+            <p:ph idx="1"/>
+          </p:nvPr>
+        </p:nvSpPr>
+        <p:spPr/>
+        <p:txBody>
+          <a:bodyPr/>
+          <a:lstStyle/>
+          <a:p>
+            <a:endParaRPr lang="en-US"/>
+          </a:p>
+        </p:txBody>
+      </p:sp>
+      <p:pic>
+        <p:nvPicPr>
+          <p:cNvPr id="6146" name="Picture 2" descr="https://i.gyazo.com/ad9b0e05956988ed35e9b912088e50f6.png"/>
+          <p:cNvPicPr>
+            <a:picLocks noChangeAspect="1" noChangeArrowheads="1"/>
+          </p:cNvPicPr>
+          <p:nvPr/>
+        </p:nvPicPr>
+        <p:blipFill>
+          <a:blip r:embed="rId2">
+            <a:extLst>
+              <a:ext uri="{28A0092B-C50C-407E-A947-70E740481C1C}">
+                <a14:useLocalDpi xmlns:a14="http://schemas.microsoft.com/office/drawing/2010/main" val="0"/>
+              </a:ext>
+            </a:extLst>
+          </a:blip>
+          <a:srcRect/>
+          <a:stretch>
+            <a:fillRect/>
+          </a:stretch>
+        </p:blipFill>
+        <p:spPr bwMode="auto">
+          <a:xfrm>
+            <a:off x="1934498" y="72679"/>
+            <a:ext cx="5743575" cy="2990850"/>
+          </a:xfrm>
+          <a:prstGeom prst="rect">
+            <a:avLst/>
+          </a:prstGeom>
+          <a:noFill/>
+          <a:extLst>
+            <a:ext uri="{909E8E84-426E-40DD-AFC4-6F175D3DCCD1}">
+              <a14:hiddenFill xmlns:a14="http://schemas.microsoft.com/office/drawing/2010/main">
+                <a:solidFill>
+                  <a:srgbClr val="FFFFFF"/>
+                </a:solidFill>
+              </a14:hiddenFill>
+            </a:ext>
+          </a:extLst>
+        </p:spPr>
+      </p:pic>
+      <p:pic>
+        <p:nvPicPr>
+          <p:cNvPr id="5" name="Picture 2" descr="https://i.gyazo.com/61ea778d1260dd0e60f2f642f63da9cf.png"/>
+          <p:cNvPicPr>
+            <a:picLocks noChangeAspect="1" noChangeArrowheads="1"/>
+          </p:cNvPicPr>
+          <p:nvPr/>
+        </p:nvPicPr>
+        <p:blipFill>
+          <a:blip r:embed="rId3">
+            <a:extLst>
+              <a:ext uri="{28A0092B-C50C-407E-A947-70E740481C1C}">
+                <a14:useLocalDpi xmlns:a14="http://schemas.microsoft.com/office/drawing/2010/main" val="0"/>
+              </a:ext>
+            </a:extLst>
+          </a:blip>
+          <a:srcRect/>
+          <a:stretch>
+            <a:fillRect/>
+          </a:stretch>
+        </p:blipFill>
+        <p:spPr bwMode="auto">
+          <a:xfrm>
+            <a:off x="1262981" y="2954459"/>
+            <a:ext cx="7389625" cy="3148988"/>
+          </a:xfrm>
+          <a:prstGeom prst="rect">
+            <a:avLst/>
+          </a:prstGeom>
+          <a:noFill/>
+          <a:extLst>
+            <a:ext uri="{909E8E84-426E-40DD-AFC4-6F175D3DCCD1}">
+              <a14:hiddenFill xmlns:a14="http://schemas.microsoft.com/office/drawing/2010/main">
+                <a:solidFill>
+                  <a:srgbClr val="FFFFFF"/>
+                </a:solidFill>
+              </a14:hiddenFill>
+            </a:ext>
+          </a:extLst>
+        </p:spPr>
+      </p:pic>
+    </p:spTree>
+    <p:extLst>
+      <p:ext uri="{BB962C8B-B14F-4D97-AF65-F5344CB8AC3E}">
+        <p14:creationId xmlns:p14="http://schemas.microsoft.com/office/powerpoint/2010/main" val="638043253"/>
       </p:ext>
     </p:extLst>
   </p:cSld>
